--- a/Proposal/Yetz_Proposal.pptx
+++ b/Proposal/Yetz_Proposal.pptx
@@ -5,7 +5,7 @@
     <p:sldMasterId id="2147483679" r:id="rId1"/>
   </p:sldMasterIdLst>
   <p:notesMasterIdLst>
-    <p:notesMasterId r:id="rId29"/>
+    <p:notesMasterId r:id="rId30"/>
   </p:notesMasterIdLst>
   <p:sldIdLst>
     <p:sldId id="256" r:id="rId2"/>
@@ -35,6 +35,7 @@
     <p:sldId id="264" r:id="rId26"/>
     <p:sldId id="288" r:id="rId27"/>
     <p:sldId id="286" r:id="rId28"/>
+    <p:sldId id="289" r:id="rId29"/>
   </p:sldIdLst>
   <p:sldSz cx="12192000" cy="6858000"/>
   <p:notesSz cx="6858000" cy="9144000"/>
@@ -165,6 +166,7 @@
             <p14:sldId id="264"/>
             <p14:sldId id="288"/>
             <p14:sldId id="286"/>
+            <p14:sldId id="289"/>
           </p14:sldIdLst>
         </p14:section>
       </p14:sectionLst>
@@ -8314,7 +8316,7 @@
           <a:p>
             <a:r>
               <a:rPr lang="en-US" dirty="0"/>
-              <a:t>Social network data has been collected on the youth three years (2015 – 2018) as part of a William T. Grant funded project</a:t>
+              <a:t>Data has been collected on the youth three years (2015 – 2018) as part of a William T. Grant funded project</a:t>
             </a:r>
           </a:p>
           <a:p>
@@ -9910,7 +9912,7 @@
                   <a:schemeClr val="tx1"/>
                 </a:solidFill>
               </a:rPr>
-              <a:t>More specifically a parallel process growth model will be specified (One for belongingness, one for strength of social connections</a:t>
+              <a:t>More specifically a parallel process growth model will be specified (One for belongingness, one for strength of social connections)</a:t>
             </a:r>
           </a:p>
           <a:p>
@@ -12122,6 +12124,121 @@
     <p:extLst>
       <p:ext uri="{BB962C8B-B14F-4D97-AF65-F5344CB8AC3E}">
         <p14:creationId xmlns:p14="http://schemas.microsoft.com/office/powerpoint/2010/main" val="3405203415"/>
+      </p:ext>
+    </p:extLst>
+  </p:cSld>
+  <p:clrMapOvr>
+    <a:masterClrMapping/>
+  </p:clrMapOvr>
+</p:sld>
+</file>
+
+<file path=ppt/slides/slide28.xml><?xml version="1.0" encoding="utf-8"?>
+<p:sld xmlns:a="http://schemas.openxmlformats.org/drawingml/2006/main" xmlns:r="http://schemas.openxmlformats.org/officeDocument/2006/relationships" xmlns:p="http://schemas.openxmlformats.org/presentationml/2006/main">
+  <p:cSld>
+    <p:bg>
+      <p:bgPr>
+        <a:blipFill rotWithShape="1">
+          <a:blip r:embed="rId2">
+            <a:duotone>
+              <a:schemeClr val="bg1">
+                <a:shade val="80000"/>
+                <a:lumMod val="80000"/>
+              </a:schemeClr>
+              <a:schemeClr val="bg1">
+                <a:tint val="98000"/>
+              </a:schemeClr>
+            </a:duotone>
+          </a:blip>
+          <a:stretch/>
+        </a:blipFill>
+        <a:effectLst/>
+      </p:bgPr>
+    </p:bg>
+    <p:spTree>
+      <p:nvGrpSpPr>
+        <p:cNvPr id="1" name=""/>
+        <p:cNvGrpSpPr/>
+        <p:nvPr/>
+      </p:nvGrpSpPr>
+      <p:grpSpPr>
+        <a:xfrm>
+          <a:off x="0" y="0"/>
+          <a:ext cx="0" cy="0"/>
+          <a:chOff x="0" y="0"/>
+          <a:chExt cx="0" cy="0"/>
+        </a:xfrm>
+      </p:grpSpPr>
+      <p:pic>
+        <p:nvPicPr>
+          <p:cNvPr id="4" name="Picture 3">
+            <a:extLst>
+              <a:ext uri="{FF2B5EF4-FFF2-40B4-BE49-F238E27FC236}">
+                <a16:creationId xmlns:a16="http://schemas.microsoft.com/office/drawing/2014/main" id="{7F853CB5-7E99-4CD6-BDF3-D26A3E80532B}"/>
+              </a:ext>
+            </a:extLst>
+          </p:cNvPr>
+          <p:cNvPicPr>
+            <a:picLocks noChangeAspect="1"/>
+          </p:cNvPicPr>
+          <p:nvPr/>
+        </p:nvPicPr>
+        <p:blipFill rotWithShape="1">
+          <a:blip r:embed="rId3">
+            <a:alphaModFix amt="35000"/>
+          </a:blip>
+          <a:srcRect t="3557" b="12173"/>
+          <a:stretch/>
+        </p:blipFill>
+        <p:spPr>
+          <a:xfrm>
+            <a:off x="20" y="10"/>
+            <a:ext cx="12191980" cy="6857990"/>
+          </a:xfrm>
+          <a:prstGeom prst="rect">
+            <a:avLst/>
+          </a:prstGeom>
+        </p:spPr>
+      </p:pic>
+      <p:sp>
+        <p:nvSpPr>
+          <p:cNvPr id="2" name="Title 1">
+            <a:extLst>
+              <a:ext uri="{FF2B5EF4-FFF2-40B4-BE49-F238E27FC236}">
+                <a16:creationId xmlns:a16="http://schemas.microsoft.com/office/drawing/2014/main" id="{C7F83E20-BE1D-49D8-BD4F-7CC966F4193E}"/>
+              </a:ext>
+            </a:extLst>
+          </p:cNvPr>
+          <p:cNvSpPr>
+            <a:spLocks noGrp="1"/>
+          </p:cNvSpPr>
+          <p:nvPr>
+            <p:ph type="title"/>
+          </p:nvPr>
+        </p:nvSpPr>
+        <p:spPr>
+          <a:xfrm>
+            <a:off x="1370693" y="1769540"/>
+            <a:ext cx="9440034" cy="1828801"/>
+          </a:xfrm>
+        </p:spPr>
+        <p:txBody>
+          <a:bodyPr vert="horz" lIns="91440" tIns="45720" rIns="91440" bIns="45720" rtlCol="0" anchor="b">
+            <a:normAutofit/>
+          </a:bodyPr>
+          <a:lstStyle/>
+          <a:p>
+            <a:r>
+              <a:rPr lang="en-US" sz="5400"/>
+              <a:t>Discussion</a:t>
+            </a:r>
+          </a:p>
+        </p:txBody>
+      </p:sp>
+    </p:spTree>
+    <p:extLst>
+      <p:ext uri="{BB962C8B-B14F-4D97-AF65-F5344CB8AC3E}">
+        <p14:creationId xmlns:p14="http://schemas.microsoft.com/office/powerpoint/2010/main" val="2832414919"/>
       </p:ext>
     </p:extLst>
   </p:cSld>
